--- a/images/profile_logo.pptx
+++ b/images/profile_logo.pptx
@@ -107,6 +107,11 @@
       </a:defRPr>
     </a:lvl9pPr>
   </p:defaultTextStyle>
+  <p:extLst>
+    <p:ext uri="{EFAFB233-063F-42B5-8137-9DF3F51BA10A}">
+      <p15:sldGuideLst xmlns:p15="http://schemas.microsoft.com/office/powerpoint/2012/main"/>
+    </p:ext>
+  </p:extLst>
 </p:presentation>
 </file>
 
@@ -259,7 +264,7 @@
           <a:p>
             <a:fld id="{47D10E76-88B1-422E-AE68-BBA0B36A9FD2}" type="datetimeFigureOut">
               <a:rPr lang="en-AU" smtClean="0"/>
-              <a:t>16/11/2023</a:t>
+              <a:t>18/04/2025</a:t>
             </a:fld>
             <a:endParaRPr lang="en-AU"/>
           </a:p>
@@ -459,7 +464,7 @@
           <a:p>
             <a:fld id="{47D10E76-88B1-422E-AE68-BBA0B36A9FD2}" type="datetimeFigureOut">
               <a:rPr lang="en-AU" smtClean="0"/>
-              <a:t>16/11/2023</a:t>
+              <a:t>18/04/2025</a:t>
             </a:fld>
             <a:endParaRPr lang="en-AU"/>
           </a:p>
@@ -669,7 +674,7 @@
           <a:p>
             <a:fld id="{47D10E76-88B1-422E-AE68-BBA0B36A9FD2}" type="datetimeFigureOut">
               <a:rPr lang="en-AU" smtClean="0"/>
-              <a:t>16/11/2023</a:t>
+              <a:t>18/04/2025</a:t>
             </a:fld>
             <a:endParaRPr lang="en-AU"/>
           </a:p>
@@ -869,7 +874,7 @@
           <a:p>
             <a:fld id="{47D10E76-88B1-422E-AE68-BBA0B36A9FD2}" type="datetimeFigureOut">
               <a:rPr lang="en-AU" smtClean="0"/>
-              <a:t>16/11/2023</a:t>
+              <a:t>18/04/2025</a:t>
             </a:fld>
             <a:endParaRPr lang="en-AU"/>
           </a:p>
@@ -1145,7 +1150,7 @@
           <a:p>
             <a:fld id="{47D10E76-88B1-422E-AE68-BBA0B36A9FD2}" type="datetimeFigureOut">
               <a:rPr lang="en-AU" smtClean="0"/>
-              <a:t>16/11/2023</a:t>
+              <a:t>18/04/2025</a:t>
             </a:fld>
             <a:endParaRPr lang="en-AU"/>
           </a:p>
@@ -1413,7 +1418,7 @@
           <a:p>
             <a:fld id="{47D10E76-88B1-422E-AE68-BBA0B36A9FD2}" type="datetimeFigureOut">
               <a:rPr lang="en-AU" smtClean="0"/>
-              <a:t>16/11/2023</a:t>
+              <a:t>18/04/2025</a:t>
             </a:fld>
             <a:endParaRPr lang="en-AU"/>
           </a:p>
@@ -1828,7 +1833,7 @@
           <a:p>
             <a:fld id="{47D10E76-88B1-422E-AE68-BBA0B36A9FD2}" type="datetimeFigureOut">
               <a:rPr lang="en-AU" smtClean="0"/>
-              <a:t>16/11/2023</a:t>
+              <a:t>18/04/2025</a:t>
             </a:fld>
             <a:endParaRPr lang="en-AU"/>
           </a:p>
@@ -1970,7 +1975,7 @@
           <a:p>
             <a:fld id="{47D10E76-88B1-422E-AE68-BBA0B36A9FD2}" type="datetimeFigureOut">
               <a:rPr lang="en-AU" smtClean="0"/>
-              <a:t>16/11/2023</a:t>
+              <a:t>18/04/2025</a:t>
             </a:fld>
             <a:endParaRPr lang="en-AU"/>
           </a:p>
@@ -2083,7 +2088,7 @@
           <a:p>
             <a:fld id="{47D10E76-88B1-422E-AE68-BBA0B36A9FD2}" type="datetimeFigureOut">
               <a:rPr lang="en-AU" smtClean="0"/>
-              <a:t>16/11/2023</a:t>
+              <a:t>18/04/2025</a:t>
             </a:fld>
             <a:endParaRPr lang="en-AU"/>
           </a:p>
@@ -2396,7 +2401,7 @@
           <a:p>
             <a:fld id="{47D10E76-88B1-422E-AE68-BBA0B36A9FD2}" type="datetimeFigureOut">
               <a:rPr lang="en-AU" smtClean="0"/>
-              <a:t>16/11/2023</a:t>
+              <a:t>18/04/2025</a:t>
             </a:fld>
             <a:endParaRPr lang="en-AU"/>
           </a:p>
@@ -2685,7 +2690,7 @@
           <a:p>
             <a:fld id="{47D10E76-88B1-422E-AE68-BBA0B36A9FD2}" type="datetimeFigureOut">
               <a:rPr lang="en-AU" smtClean="0"/>
-              <a:t>16/11/2023</a:t>
+              <a:t>18/04/2025</a:t>
             </a:fld>
             <a:endParaRPr lang="en-AU"/>
           </a:p>
@@ -2928,7 +2933,7 @@
           <a:p>
             <a:fld id="{47D10E76-88B1-422E-AE68-BBA0B36A9FD2}" type="datetimeFigureOut">
               <a:rPr lang="en-AU" smtClean="0"/>
-              <a:t>16/11/2023</a:t>
+              <a:t>18/04/2025</a:t>
             </a:fld>
             <a:endParaRPr lang="en-AU"/>
           </a:p>
